--- a/yellow_elephants_final_presentation.pptx
+++ b/yellow_elephants_final_presentation.pptx
@@ -14659,7 +14659,7 @@
               <a:rPr lang="en" sz="1700" dirty="0">
                 <a:latin typeface="Raleway Light" panose="020B0403030101060003" pitchFamily="34" charset="77"/>
               </a:rPr>
-              <a:t>Used this to obtain the median prices and number sold  and demographic data </a:t>
+              <a:t>Used pandas and looping through a csv to obtain the median prices and number sold  and demographic data </a:t>
             </a:r>
             <a:endParaRPr sz="1700" dirty="0">
               <a:latin typeface="Raleway Light" panose="020B0403030101060003" pitchFamily="34" charset="77"/>
